--- a/mpsa2025.pptx
+++ b/mpsa2025.pptx
@@ -7,21 +7,20 @@
   <p:sldIdLst>
     <p:sldId id="256" r:id="rId2"/>
     <p:sldId id="264" r:id="rId3"/>
-    <p:sldId id="258" r:id="rId4"/>
+    <p:sldId id="274" r:id="rId4"/>
     <p:sldId id="257" r:id="rId5"/>
-    <p:sldId id="274" r:id="rId6"/>
-    <p:sldId id="259" r:id="rId7"/>
-    <p:sldId id="263" r:id="rId8"/>
-    <p:sldId id="261" r:id="rId9"/>
-    <p:sldId id="262" r:id="rId10"/>
-    <p:sldId id="266" r:id="rId11"/>
-    <p:sldId id="268" r:id="rId12"/>
-    <p:sldId id="267" r:id="rId13"/>
-    <p:sldId id="269" r:id="rId14"/>
-    <p:sldId id="270" r:id="rId15"/>
-    <p:sldId id="271" r:id="rId16"/>
-    <p:sldId id="272" r:id="rId17"/>
-    <p:sldId id="273" r:id="rId18"/>
+    <p:sldId id="259" r:id="rId6"/>
+    <p:sldId id="263" r:id="rId7"/>
+    <p:sldId id="261" r:id="rId8"/>
+    <p:sldId id="262" r:id="rId9"/>
+    <p:sldId id="266" r:id="rId10"/>
+    <p:sldId id="268" r:id="rId11"/>
+    <p:sldId id="267" r:id="rId12"/>
+    <p:sldId id="269" r:id="rId13"/>
+    <p:sldId id="270" r:id="rId14"/>
+    <p:sldId id="271" r:id="rId15"/>
+    <p:sldId id="272" r:id="rId16"/>
+    <p:sldId id="273" r:id="rId17"/>
   </p:sldIdLst>
   <p:sldSz cx="12192000" cy="6858000"/>
   <p:notesSz cx="6858000" cy="9144000"/>
@@ -275,7 +274,7 @@
           <a:p>
             <a:fld id="{201AF5C5-FC2C-4BD7-9FC0-0727A4A382D1}" type="datetimeFigureOut">
               <a:rPr lang="en-US" smtClean="0"/>
-              <a:t>2025-03-27</a:t>
+              <a:t>2025-04-05</a:t>
             </a:fld>
             <a:endParaRPr lang="en-US"/>
           </a:p>
@@ -473,7 +472,7 @@
           <a:p>
             <a:fld id="{201AF5C5-FC2C-4BD7-9FC0-0727A4A382D1}" type="datetimeFigureOut">
               <a:rPr lang="en-US" smtClean="0"/>
-              <a:t>2025-03-27</a:t>
+              <a:t>2025-04-05</a:t>
             </a:fld>
             <a:endParaRPr lang="en-US"/>
           </a:p>
@@ -681,7 +680,7 @@
           <a:p>
             <a:fld id="{201AF5C5-FC2C-4BD7-9FC0-0727A4A382D1}" type="datetimeFigureOut">
               <a:rPr lang="en-US" smtClean="0"/>
-              <a:t>2025-03-27</a:t>
+              <a:t>2025-04-05</a:t>
             </a:fld>
             <a:endParaRPr lang="en-US"/>
           </a:p>
@@ -879,7 +878,7 @@
           <a:p>
             <a:fld id="{201AF5C5-FC2C-4BD7-9FC0-0727A4A382D1}" type="datetimeFigureOut">
               <a:rPr lang="en-US" smtClean="0"/>
-              <a:t>2025-03-27</a:t>
+              <a:t>2025-04-05</a:t>
             </a:fld>
             <a:endParaRPr lang="en-US"/>
           </a:p>
@@ -1154,7 +1153,7 @@
           <a:p>
             <a:fld id="{201AF5C5-FC2C-4BD7-9FC0-0727A4A382D1}" type="datetimeFigureOut">
               <a:rPr lang="en-US" smtClean="0"/>
-              <a:t>2025-03-27</a:t>
+              <a:t>2025-04-05</a:t>
             </a:fld>
             <a:endParaRPr lang="en-US"/>
           </a:p>
@@ -1419,7 +1418,7 @@
           <a:p>
             <a:fld id="{201AF5C5-FC2C-4BD7-9FC0-0727A4A382D1}" type="datetimeFigureOut">
               <a:rPr lang="en-US" smtClean="0"/>
-              <a:t>2025-03-27</a:t>
+              <a:t>2025-04-05</a:t>
             </a:fld>
             <a:endParaRPr lang="en-US"/>
           </a:p>
@@ -1831,7 +1830,7 @@
           <a:p>
             <a:fld id="{201AF5C5-FC2C-4BD7-9FC0-0727A4A382D1}" type="datetimeFigureOut">
               <a:rPr lang="en-US" smtClean="0"/>
-              <a:t>2025-03-27</a:t>
+              <a:t>2025-04-05</a:t>
             </a:fld>
             <a:endParaRPr lang="en-US"/>
           </a:p>
@@ -1972,7 +1971,7 @@
           <a:p>
             <a:fld id="{201AF5C5-FC2C-4BD7-9FC0-0727A4A382D1}" type="datetimeFigureOut">
               <a:rPr lang="en-US" smtClean="0"/>
-              <a:t>2025-03-27</a:t>
+              <a:t>2025-04-05</a:t>
             </a:fld>
             <a:endParaRPr lang="en-US"/>
           </a:p>
@@ -2085,7 +2084,7 @@
           <a:p>
             <a:fld id="{201AF5C5-FC2C-4BD7-9FC0-0727A4A382D1}" type="datetimeFigureOut">
               <a:rPr lang="en-US" smtClean="0"/>
-              <a:t>2025-03-27</a:t>
+              <a:t>2025-04-05</a:t>
             </a:fld>
             <a:endParaRPr lang="en-US"/>
           </a:p>
@@ -2396,7 +2395,7 @@
           <a:p>
             <a:fld id="{201AF5C5-FC2C-4BD7-9FC0-0727A4A382D1}" type="datetimeFigureOut">
               <a:rPr lang="en-US" smtClean="0"/>
-              <a:t>2025-03-27</a:t>
+              <a:t>2025-04-05</a:t>
             </a:fld>
             <a:endParaRPr lang="en-US"/>
           </a:p>
@@ -2684,7 +2683,7 @@
           <a:p>
             <a:fld id="{201AF5C5-FC2C-4BD7-9FC0-0727A4A382D1}" type="datetimeFigureOut">
               <a:rPr lang="en-US" smtClean="0"/>
-              <a:t>2025-03-27</a:t>
+              <a:t>2025-04-05</a:t>
             </a:fld>
             <a:endParaRPr lang="en-US"/>
           </a:p>
@@ -2925,7 +2924,7 @@
           <a:p>
             <a:fld id="{201AF5C5-FC2C-4BD7-9FC0-0727A4A382D1}" type="datetimeFigureOut">
               <a:rPr lang="en-US" smtClean="0"/>
-              <a:t>2025-03-27</a:t>
+              <a:t>2025-04-05</a:t>
             </a:fld>
             <a:endParaRPr lang="en-US"/>
           </a:p>
@@ -3391,7 +3390,9 @@
         </p:nvSpPr>
         <p:spPr/>
         <p:txBody>
-          <a:bodyPr/>
+          <a:bodyPr>
+            <a:normAutofit lnSpcReduction="10000"/>
+          </a:bodyPr>
           <a:lstStyle/>
           <a:p>
             <a:r>
@@ -3406,6 +3407,12 @@
             <a:r>
               <a:rPr lang="en-US" dirty="0"/>
               <a:t>Xingyuan Zhao</a:t>
+            </a:r>
+          </a:p>
+          <a:p>
+            <a:r>
+              <a:rPr lang="en-US" dirty="0"/>
+              <a:t>University of Texas at Dallas</a:t>
             </a:r>
           </a:p>
         </p:txBody>
@@ -3445,101 +3452,6 @@
           <p:cNvPr id="2" name="Title 1">
             <a:extLst>
               <a:ext uri="{FF2B5EF4-FFF2-40B4-BE49-F238E27FC236}">
-                <a16:creationId xmlns:a16="http://schemas.microsoft.com/office/drawing/2014/main" id="{37C39EBB-E8E4-865F-1BED-D11408B1D3F3}"/>
-              </a:ext>
-            </a:extLst>
-          </p:cNvPr>
-          <p:cNvSpPr>
-            <a:spLocks noGrp="1"/>
-          </p:cNvSpPr>
-          <p:nvPr>
-            <p:ph type="title"/>
-          </p:nvPr>
-        </p:nvSpPr>
-        <p:spPr/>
-        <p:txBody>
-          <a:bodyPr/>
-          <a:lstStyle/>
-          <a:p>
-            <a:r>
-              <a:rPr lang="en-US" altLang="zh-CN" dirty="0"/>
-              <a:t>Results: Synthetic Control Unit</a:t>
-            </a:r>
-            <a:endParaRPr lang="en-US" dirty="0"/>
-          </a:p>
-        </p:txBody>
-      </p:sp>
-      <p:pic>
-        <p:nvPicPr>
-          <p:cNvPr id="9" name="Picture 8" descr="A graph showing the growth of a company&#10;&#10;AI-generated content may be incorrect.">
-            <a:extLst>
-              <a:ext uri="{FF2B5EF4-FFF2-40B4-BE49-F238E27FC236}">
-                <a16:creationId xmlns:a16="http://schemas.microsoft.com/office/drawing/2014/main" id="{EE3FF3B9-9E74-2752-3E5C-B6238586F773}"/>
-              </a:ext>
-            </a:extLst>
-          </p:cNvPr>
-          <p:cNvPicPr>
-            <a:picLocks noChangeAspect="1"/>
-          </p:cNvPicPr>
-          <p:nvPr/>
-        </p:nvPicPr>
-        <p:blipFill>
-          <a:blip r:embed="rId2">
-            <a:extLst>
-              <a:ext uri="{28A0092B-C50C-407E-A947-70E740481C1C}">
-                <a14:useLocalDpi xmlns:a14="http://schemas.microsoft.com/office/drawing/2010/main" val="0"/>
-              </a:ext>
-            </a:extLst>
-          </a:blip>
-          <a:stretch>
-            <a:fillRect/>
-          </a:stretch>
-        </p:blipFill>
-        <p:spPr>
-          <a:xfrm>
-            <a:off x="609589" y="1371589"/>
-            <a:ext cx="10972822" cy="5486411"/>
-          </a:xfrm>
-          <a:prstGeom prst="rect">
-            <a:avLst/>
-          </a:prstGeom>
-        </p:spPr>
-      </p:pic>
-    </p:spTree>
-    <p:extLst>
-      <p:ext uri="{BB962C8B-B14F-4D97-AF65-F5344CB8AC3E}">
-        <p14:creationId xmlns:p14="http://schemas.microsoft.com/office/powerpoint/2010/main" val="1780159611"/>
-      </p:ext>
-    </p:extLst>
-  </p:cSld>
-  <p:clrMapOvr>
-    <a:masterClrMapping/>
-  </p:clrMapOvr>
-</p:sld>
-</file>
-
-<file path=ppt/slides/slide11.xml><?xml version="1.0" encoding="utf-8"?>
-<p:sld xmlns:a="http://schemas.openxmlformats.org/drawingml/2006/main" xmlns:r="http://schemas.openxmlformats.org/officeDocument/2006/relationships" xmlns:p="http://schemas.openxmlformats.org/presentationml/2006/main">
-  <p:cSld>
-    <p:spTree>
-      <p:nvGrpSpPr>
-        <p:cNvPr id="1" name=""/>
-        <p:cNvGrpSpPr/>
-        <p:nvPr/>
-      </p:nvGrpSpPr>
-      <p:grpSpPr>
-        <a:xfrm>
-          <a:off x="0" y="0"/>
-          <a:ext cx="0" cy="0"/>
-          <a:chOff x="0" y="0"/>
-          <a:chExt cx="0" cy="0"/>
-        </a:xfrm>
-      </p:grpSpPr>
-      <p:sp>
-        <p:nvSpPr>
-          <p:cNvPr id="2" name="Title 1">
-            <a:extLst>
-              <a:ext uri="{FF2B5EF4-FFF2-40B4-BE49-F238E27FC236}">
                 <a16:creationId xmlns:a16="http://schemas.microsoft.com/office/drawing/2014/main" id="{F402CD05-1882-DF23-FFCC-264C946519F4}"/>
               </a:ext>
             </a:extLst>
@@ -3612,7 +3524,7 @@
 </p:sld>
 </file>
 
-<file path=ppt/slides/slide12.xml><?xml version="1.0" encoding="utf-8"?>
+<file path=ppt/slides/slide11.xml><?xml version="1.0" encoding="utf-8"?>
 <p:sld xmlns:a="http://schemas.openxmlformats.org/drawingml/2006/main" xmlns:r="http://schemas.openxmlformats.org/officeDocument/2006/relationships" xmlns:p="http://schemas.openxmlformats.org/presentationml/2006/main">
   <p:cSld>
     <p:spTree>
@@ -3742,6 +3654,99 @@
 </p:sld>
 </file>
 
+<file path=ppt/slides/slide12.xml><?xml version="1.0" encoding="utf-8"?>
+<p:sld xmlns:a="http://schemas.openxmlformats.org/drawingml/2006/main" xmlns:r="http://schemas.openxmlformats.org/officeDocument/2006/relationships" xmlns:p="http://schemas.openxmlformats.org/presentationml/2006/main">
+  <p:cSld>
+    <p:spTree>
+      <p:nvGrpSpPr>
+        <p:cNvPr id="1" name=""/>
+        <p:cNvGrpSpPr/>
+        <p:nvPr/>
+      </p:nvGrpSpPr>
+      <p:grpSpPr>
+        <a:xfrm>
+          <a:off x="0" y="0"/>
+          <a:ext cx="0" cy="0"/>
+          <a:chOff x="0" y="0"/>
+          <a:chExt cx="0" cy="0"/>
+        </a:xfrm>
+      </p:grpSpPr>
+      <p:sp>
+        <p:nvSpPr>
+          <p:cNvPr id="2" name="Title 1">
+            <a:extLst>
+              <a:ext uri="{FF2B5EF4-FFF2-40B4-BE49-F238E27FC236}">
+                <a16:creationId xmlns:a16="http://schemas.microsoft.com/office/drawing/2014/main" id="{D12A59F3-E541-1EE7-3B54-2BB348C898F6}"/>
+              </a:ext>
+            </a:extLst>
+          </p:cNvPr>
+          <p:cNvSpPr>
+            <a:spLocks noGrp="1"/>
+          </p:cNvSpPr>
+          <p:nvPr>
+            <p:ph type="title"/>
+          </p:nvPr>
+        </p:nvSpPr>
+        <p:spPr/>
+        <p:txBody>
+          <a:bodyPr/>
+          <a:lstStyle/>
+          <a:p>
+            <a:r>
+              <a:rPr lang="en-US" dirty="0"/>
+              <a:t>Placebo Tests: Placebo Units</a:t>
+            </a:r>
+          </a:p>
+        </p:txBody>
+      </p:sp>
+      <p:pic>
+        <p:nvPicPr>
+          <p:cNvPr id="5" name="Content Placeholder 4" descr="A graph with a red line&#10;&#10;AI-generated content may be incorrect.">
+            <a:extLst>
+              <a:ext uri="{FF2B5EF4-FFF2-40B4-BE49-F238E27FC236}">
+                <a16:creationId xmlns:a16="http://schemas.microsoft.com/office/drawing/2014/main" id="{EBAC57C0-0FF8-0BA4-5033-5476F6A78943}"/>
+              </a:ext>
+            </a:extLst>
+          </p:cNvPr>
+          <p:cNvPicPr>
+            <a:picLocks noGrp="1" noChangeAspect="1"/>
+          </p:cNvPicPr>
+          <p:nvPr>
+            <p:ph idx="1"/>
+          </p:nvPr>
+        </p:nvPicPr>
+        <p:blipFill>
+          <a:blip r:embed="rId2">
+            <a:extLst>
+              <a:ext uri="{28A0092B-C50C-407E-A947-70E740481C1C}">
+                <a14:useLocalDpi xmlns:a14="http://schemas.microsoft.com/office/drawing/2010/main" val="0"/>
+              </a:ext>
+            </a:extLst>
+          </a:blip>
+          <a:stretch>
+            <a:fillRect/>
+          </a:stretch>
+        </p:blipFill>
+        <p:spPr>
+          <a:xfrm>
+            <a:off x="928688" y="1690688"/>
+            <a:ext cx="10334624" cy="5167312"/>
+          </a:xfrm>
+        </p:spPr>
+      </p:pic>
+    </p:spTree>
+    <p:extLst>
+      <p:ext uri="{BB962C8B-B14F-4D97-AF65-F5344CB8AC3E}">
+        <p14:creationId xmlns:p14="http://schemas.microsoft.com/office/powerpoint/2010/main" val="1666283383"/>
+      </p:ext>
+    </p:extLst>
+  </p:cSld>
+  <p:clrMapOvr>
+    <a:masterClrMapping/>
+  </p:clrMapOvr>
+</p:sld>
+</file>
+
 <file path=ppt/slides/slide13.xml><?xml version="1.0" encoding="utf-8"?>
 <p:sld xmlns:a="http://schemas.openxmlformats.org/drawingml/2006/main" xmlns:r="http://schemas.openxmlformats.org/officeDocument/2006/relationships" xmlns:p="http://schemas.openxmlformats.org/presentationml/2006/main">
   <p:cSld>
@@ -3764,7 +3769,7 @@
           <p:cNvPr id="2" name="Title 1">
             <a:extLst>
               <a:ext uri="{FF2B5EF4-FFF2-40B4-BE49-F238E27FC236}">
-                <a16:creationId xmlns:a16="http://schemas.microsoft.com/office/drawing/2014/main" id="{D12A59F3-E541-1EE7-3B54-2BB348C898F6}"/>
+                <a16:creationId xmlns:a16="http://schemas.microsoft.com/office/drawing/2014/main" id="{B6BF3CB1-E600-F898-79D0-15E3638B8762}"/>
               </a:ext>
             </a:extLst>
           </p:cNvPr>
@@ -3782,17 +3787,17 @@
           <a:p>
             <a:r>
               <a:rPr lang="en-US" dirty="0"/>
-              <a:t>Placebo Tests: Placebo Units</a:t>
+              <a:t>Placebo Tests: Post/Pre MSE Ratio</a:t>
             </a:r>
           </a:p>
         </p:txBody>
       </p:sp>
       <p:pic>
         <p:nvPicPr>
-          <p:cNvPr id="5" name="Content Placeholder 4" descr="A graph with a red line&#10;&#10;AI-generated content may be incorrect.">
-            <a:extLst>
-              <a:ext uri="{FF2B5EF4-FFF2-40B4-BE49-F238E27FC236}">
-                <a16:creationId xmlns:a16="http://schemas.microsoft.com/office/drawing/2014/main" id="{EBAC57C0-0FF8-0BA4-5033-5476F6A78943}"/>
+          <p:cNvPr id="5" name="Content Placeholder 4" descr="A graph of a patient&#10;&#10;AI-generated content may be incorrect.">
+            <a:extLst>
+              <a:ext uri="{FF2B5EF4-FFF2-40B4-BE49-F238E27FC236}">
+                <a16:creationId xmlns:a16="http://schemas.microsoft.com/office/drawing/2014/main" id="{B0DCB123-D58F-E101-ACA9-EFDB22292179}"/>
               </a:ext>
             </a:extLst>
           </p:cNvPr>
@@ -3817,15 +3822,15 @@
         </p:blipFill>
         <p:spPr>
           <a:xfrm>
-            <a:off x="928688" y="1690688"/>
-            <a:ext cx="10334624" cy="5167312"/>
+            <a:off x="2646627" y="1683940"/>
+            <a:ext cx="6898746" cy="5174060"/>
           </a:xfrm>
         </p:spPr>
       </p:pic>
     </p:spTree>
     <p:extLst>
       <p:ext uri="{BB962C8B-B14F-4D97-AF65-F5344CB8AC3E}">
-        <p14:creationId xmlns:p14="http://schemas.microsoft.com/office/powerpoint/2010/main" val="1666283383"/>
+        <p14:creationId xmlns:p14="http://schemas.microsoft.com/office/powerpoint/2010/main" val="81932304"/>
       </p:ext>
     </p:extLst>
   </p:cSld>
@@ -3857,99 +3862,6 @@
           <p:cNvPr id="2" name="Title 1">
             <a:extLst>
               <a:ext uri="{FF2B5EF4-FFF2-40B4-BE49-F238E27FC236}">
-                <a16:creationId xmlns:a16="http://schemas.microsoft.com/office/drawing/2014/main" id="{B6BF3CB1-E600-F898-79D0-15E3638B8762}"/>
-              </a:ext>
-            </a:extLst>
-          </p:cNvPr>
-          <p:cNvSpPr>
-            <a:spLocks noGrp="1"/>
-          </p:cNvSpPr>
-          <p:nvPr>
-            <p:ph type="title"/>
-          </p:nvPr>
-        </p:nvSpPr>
-        <p:spPr/>
-        <p:txBody>
-          <a:bodyPr/>
-          <a:lstStyle/>
-          <a:p>
-            <a:r>
-              <a:rPr lang="en-US" dirty="0"/>
-              <a:t>Placebo Tests: Post/Pre MSE Ratio</a:t>
-            </a:r>
-          </a:p>
-        </p:txBody>
-      </p:sp>
-      <p:pic>
-        <p:nvPicPr>
-          <p:cNvPr id="5" name="Content Placeholder 4" descr="A graph of a patient&#10;&#10;AI-generated content may be incorrect.">
-            <a:extLst>
-              <a:ext uri="{FF2B5EF4-FFF2-40B4-BE49-F238E27FC236}">
-                <a16:creationId xmlns:a16="http://schemas.microsoft.com/office/drawing/2014/main" id="{B0DCB123-D58F-E101-ACA9-EFDB22292179}"/>
-              </a:ext>
-            </a:extLst>
-          </p:cNvPr>
-          <p:cNvPicPr>
-            <a:picLocks noGrp="1" noChangeAspect="1"/>
-          </p:cNvPicPr>
-          <p:nvPr>
-            <p:ph idx="1"/>
-          </p:nvPr>
-        </p:nvPicPr>
-        <p:blipFill>
-          <a:blip r:embed="rId2">
-            <a:extLst>
-              <a:ext uri="{28A0092B-C50C-407E-A947-70E740481C1C}">
-                <a14:useLocalDpi xmlns:a14="http://schemas.microsoft.com/office/drawing/2010/main" val="0"/>
-              </a:ext>
-            </a:extLst>
-          </a:blip>
-          <a:stretch>
-            <a:fillRect/>
-          </a:stretch>
-        </p:blipFill>
-        <p:spPr>
-          <a:xfrm>
-            <a:off x="2646627" y="1683940"/>
-            <a:ext cx="6898746" cy="5174060"/>
-          </a:xfrm>
-        </p:spPr>
-      </p:pic>
-    </p:spTree>
-    <p:extLst>
-      <p:ext uri="{BB962C8B-B14F-4D97-AF65-F5344CB8AC3E}">
-        <p14:creationId xmlns:p14="http://schemas.microsoft.com/office/powerpoint/2010/main" val="81932304"/>
-      </p:ext>
-    </p:extLst>
-  </p:cSld>
-  <p:clrMapOvr>
-    <a:masterClrMapping/>
-  </p:clrMapOvr>
-</p:sld>
-</file>
-
-<file path=ppt/slides/slide15.xml><?xml version="1.0" encoding="utf-8"?>
-<p:sld xmlns:a="http://schemas.openxmlformats.org/drawingml/2006/main" xmlns:r="http://schemas.openxmlformats.org/officeDocument/2006/relationships" xmlns:p="http://schemas.openxmlformats.org/presentationml/2006/main">
-  <p:cSld>
-    <p:spTree>
-      <p:nvGrpSpPr>
-        <p:cNvPr id="1" name=""/>
-        <p:cNvGrpSpPr/>
-        <p:nvPr/>
-      </p:nvGrpSpPr>
-      <p:grpSpPr>
-        <a:xfrm>
-          <a:off x="0" y="0"/>
-          <a:ext cx="0" cy="0"/>
-          <a:chOff x="0" y="0"/>
-          <a:chExt cx="0" cy="0"/>
-        </a:xfrm>
-      </p:grpSpPr>
-      <p:sp>
-        <p:nvSpPr>
-          <p:cNvPr id="2" name="Title 1">
-            <a:extLst>
-              <a:ext uri="{FF2B5EF4-FFF2-40B4-BE49-F238E27FC236}">
                 <a16:creationId xmlns:a16="http://schemas.microsoft.com/office/drawing/2014/main" id="{821DDDF6-AC2C-170F-ED62-FBF5F3C667F4}"/>
               </a:ext>
             </a:extLst>
@@ -4021,7 +3933,7 @@
 </p:sld>
 </file>
 
-<file path=ppt/slides/slide16.xml><?xml version="1.0" encoding="utf-8"?>
+<file path=ppt/slides/slide15.xml><?xml version="1.0" encoding="utf-8"?>
 <p:sld xmlns:a="http://schemas.openxmlformats.org/drawingml/2006/main" xmlns:r="http://schemas.openxmlformats.org/officeDocument/2006/relationships" xmlns:p="http://schemas.openxmlformats.org/presentationml/2006/main">
   <p:cSld>
     <p:spTree>
@@ -4115,7 +4027,7 @@
 </p:sld>
 </file>
 
-<file path=ppt/slides/slide17.xml><?xml version="1.0" encoding="utf-8"?>
+<file path=ppt/slides/slide16.xml><?xml version="1.0" encoding="utf-8"?>
 <p:sld xmlns:a="http://schemas.openxmlformats.org/drawingml/2006/main" xmlns:r="http://schemas.openxmlformats.org/officeDocument/2006/relationships" xmlns:p="http://schemas.openxmlformats.org/presentationml/2006/main">
   <p:cSld>
     <p:spTree>
@@ -4327,7 +4239,7 @@
           <p:cNvPr id="2" name="Title 1">
             <a:extLst>
               <a:ext uri="{FF2B5EF4-FFF2-40B4-BE49-F238E27FC236}">
-                <a16:creationId xmlns:a16="http://schemas.microsoft.com/office/drawing/2014/main" id="{E9295CD2-CE80-5C98-039E-05A710CD5094}"/>
+                <a16:creationId xmlns:a16="http://schemas.microsoft.com/office/drawing/2014/main" id="{629ED449-FA32-2858-C5A4-3EF3560B3412}"/>
               </a:ext>
             </a:extLst>
           </p:cNvPr>
@@ -4345,7 +4257,7 @@
           <a:p>
             <a:r>
               <a:rPr lang="en-US" dirty="0"/>
-              <a:t>Challenges and Contribution</a:t>
+              <a:t>Data and Measurements</a:t>
             </a:r>
           </a:p>
         </p:txBody>
@@ -4355,7 +4267,7 @@
           <p:cNvPr id="3" name="Content Placeholder 2">
             <a:extLst>
               <a:ext uri="{FF2B5EF4-FFF2-40B4-BE49-F238E27FC236}">
-                <a16:creationId xmlns:a16="http://schemas.microsoft.com/office/drawing/2014/main" id="{7EBECE85-2305-C6F9-164E-F6531B9771F6}"/>
+                <a16:creationId xmlns:a16="http://schemas.microsoft.com/office/drawing/2014/main" id="{2CD479C7-4184-C406-C308-6E29CB81140E}"/>
               </a:ext>
             </a:extLst>
           </p:cNvPr>
@@ -4368,24 +4280,67 @@
         </p:nvSpPr>
         <p:spPr/>
         <p:txBody>
-          <a:bodyPr/>
+          <a:bodyPr>
+            <a:normAutofit lnSpcReduction="10000"/>
+          </a:bodyPr>
           <a:lstStyle/>
           <a:p>
             <a:r>
               <a:rPr lang="en-US" dirty="0"/>
-              <a:t>The scale between the treated unit and the controlled units can very different;</a:t>
+              <a:t>Outcome Variable: Best AI performance score at the time (Hugging face Open LLM leaderboard)</a:t>
             </a:r>
           </a:p>
           <a:p>
             <a:r>
               <a:rPr lang="en-US" dirty="0"/>
-              <a:t>One unit in the control group is heavily relied on;</a:t>
+              <a:t>Treatment: October 2023 cutoff</a:t>
             </a:r>
           </a:p>
           <a:p>
             <a:r>
               <a:rPr lang="en-US" dirty="0"/>
-              <a:t>Pretreatment period and number or units are limited.</a:t>
+              <a:t>Covariates: </a:t>
+            </a:r>
+          </a:p>
+          <a:p>
+            <a:pPr lvl="1"/>
+            <a:r>
+              <a:rPr lang="en-US" dirty="0"/>
+              <a:t>Accumulated AI related paper counts (</a:t>
+            </a:r>
+            <a:r>
+              <a:rPr lang="en-US" dirty="0" err="1"/>
+              <a:t>OpenAlex</a:t>
+            </a:r>
+            <a:r>
+              <a:rPr lang="en-US" dirty="0"/>
+              <a:t>)</a:t>
+            </a:r>
+          </a:p>
+          <a:p>
+            <a:pPr lvl="1"/>
+            <a:r>
+              <a:rPr lang="en-US" dirty="0"/>
+              <a:t>Technology stock index (Yahoo Finance)</a:t>
+            </a:r>
+          </a:p>
+          <a:p>
+            <a:pPr lvl="1"/>
+            <a:r>
+              <a:rPr lang="en-US" dirty="0"/>
+              <a:t>Electronics Import Value (Trade Map) *</a:t>
+            </a:r>
+          </a:p>
+          <a:p>
+            <a:r>
+              <a:rPr lang="en-US" dirty="0"/>
+              <a:t>Unit of Analysis: Country-Month</a:t>
+            </a:r>
+          </a:p>
+          <a:p>
+            <a:r>
+              <a:rPr lang="en-US" dirty="0"/>
+              <a:t>Donor Group Scope: Countries that are not affected by the GPU regulation</a:t>
             </a:r>
           </a:p>
         </p:txBody>
@@ -4393,7 +4348,7 @@
     </p:spTree>
     <p:extLst>
       <p:ext uri="{BB962C8B-B14F-4D97-AF65-F5344CB8AC3E}">
-        <p14:creationId xmlns:p14="http://schemas.microsoft.com/office/powerpoint/2010/main" val="4087326693"/>
+        <p14:creationId xmlns:p14="http://schemas.microsoft.com/office/powerpoint/2010/main" val="1147422715"/>
       </p:ext>
     </p:extLst>
   </p:cSld>
@@ -4443,7 +4398,7 @@
           <a:p>
             <a:r>
               <a:rPr lang="en-US" dirty="0"/>
-              <a:t>Feasibility of Synthetic Control Method</a:t>
+              <a:t>Challenges and Contribution</a:t>
             </a:r>
           </a:p>
         </p:txBody>
@@ -4489,21 +4444,13 @@
           <a:p>
             <a:r>
               <a:rPr lang="en-US" dirty="0"/>
-              <a:t>Larger donor pool than pre-treatment period can lead </a:t>
-            </a:r>
-            <a:r>
-              <a:rPr lang="en-US"/>
-              <a:t>to overfitting</a:t>
-            </a:r>
-          </a:p>
-          <a:p>
-            <a:r>
-              <a:rPr lang="en-US"/>
-              <a:t>… </a:t>
-            </a:r>
+              <a:t>Larger donor pool than pre-treatment period can lead to overfitting</a:t>
+            </a:r>
+          </a:p>
+          <a:p>
             <a:r>
               <a:rPr lang="en-US" dirty="0"/>
-              <a:t>…</a:t>
+              <a:t>… …</a:t>
             </a:r>
           </a:p>
         </p:txBody>
@@ -4543,7 +4490,7 @@
           <p:cNvPr id="2" name="Title 1">
             <a:extLst>
               <a:ext uri="{FF2B5EF4-FFF2-40B4-BE49-F238E27FC236}">
-                <a16:creationId xmlns:a16="http://schemas.microsoft.com/office/drawing/2014/main" id="{629ED449-FA32-2858-C5A4-3EF3560B3412}"/>
+                <a16:creationId xmlns:a16="http://schemas.microsoft.com/office/drawing/2014/main" id="{2C76318F-CC15-3F5E-2FAB-C6F6CCE96C6A}"/>
               </a:ext>
             </a:extLst>
           </p:cNvPr>
@@ -4561,7 +4508,7 @@
           <a:p>
             <a:r>
               <a:rPr lang="en-US" dirty="0"/>
-              <a:t>Data and Measurements</a:t>
+              <a:t>Requirements for a Solution</a:t>
             </a:r>
           </a:p>
         </p:txBody>
@@ -4571,7 +4518,7 @@
           <p:cNvPr id="3" name="Content Placeholder 2">
             <a:extLst>
               <a:ext uri="{FF2B5EF4-FFF2-40B4-BE49-F238E27FC236}">
-                <a16:creationId xmlns:a16="http://schemas.microsoft.com/office/drawing/2014/main" id="{2CD479C7-4184-C406-C308-6E29CB81140E}"/>
+                <a16:creationId xmlns:a16="http://schemas.microsoft.com/office/drawing/2014/main" id="{4D887FC2-AA5C-3E81-50EF-C5D5567B5836}"/>
               </a:ext>
             </a:extLst>
           </p:cNvPr>
@@ -4584,82 +4531,24 @@
         </p:nvSpPr>
         <p:spPr/>
         <p:txBody>
-          <a:bodyPr>
-            <a:normAutofit fontScale="92500" lnSpcReduction="10000"/>
-          </a:bodyPr>
+          <a:bodyPr/>
           <a:lstStyle/>
           <a:p>
             <a:r>
               <a:rPr lang="en-US" dirty="0"/>
-              <a:t>Outcome Variable: Best AI performance score at the time (Hugging face Open LLM leaderboard)</a:t>
+              <a:t>The treated unit and controlled units should be comparable</a:t>
             </a:r>
           </a:p>
           <a:p>
             <a:r>
               <a:rPr lang="en-US" dirty="0"/>
-              <a:t>Treatment: October 2023 cutoff</a:t>
+              <a:t>Such transformation needs to robust</a:t>
             </a:r>
           </a:p>
           <a:p>
             <a:r>
               <a:rPr lang="en-US" dirty="0"/>
-              <a:t>Covariates: </a:t>
-            </a:r>
-          </a:p>
-          <a:p>
-            <a:pPr lvl="1"/>
-            <a:r>
-              <a:rPr lang="en-US" dirty="0"/>
-              <a:t>Accumulated AI related paper counts (</a:t>
-            </a:r>
-            <a:r>
-              <a:rPr lang="en-US" dirty="0" err="1"/>
-              <a:t>OpenAlex</a:t>
-            </a:r>
-            <a:r>
-              <a:rPr lang="en-US" dirty="0"/>
-              <a:t>)</a:t>
-            </a:r>
-          </a:p>
-          <a:p>
-            <a:pPr lvl="1"/>
-            <a:r>
-              <a:rPr lang="en-US" dirty="0"/>
-              <a:t>Accumulated AI related paper cites *</a:t>
-            </a:r>
-          </a:p>
-          <a:p>
-            <a:pPr lvl="1"/>
-            <a:r>
-              <a:rPr lang="en-US" dirty="0"/>
-              <a:t>Technology stock index (Yahoo Finance)</a:t>
-            </a:r>
-          </a:p>
-          <a:p>
-            <a:pPr lvl="1"/>
-            <a:r>
-              <a:rPr lang="en-US" dirty="0"/>
-              <a:t>Electronics Import Value (Trade Map) *</a:t>
-            </a:r>
-          </a:p>
-          <a:p>
-            <a:r>
-              <a:rPr lang="en-US" dirty="0"/>
-              <a:t>Unit of Analysis: Country-Month</a:t>
-            </a:r>
-          </a:p>
-          <a:p>
-            <a:r>
-              <a:rPr lang="en-US" dirty="0"/>
-              <a:t>Donor Group Scope</a:t>
-            </a:r>
-            <a:r>
-              <a:rPr lang="en-US"/>
-              <a:t>: Countries </a:t>
-            </a:r>
-            <a:r>
-              <a:rPr lang="en-US" dirty="0"/>
-              <a:t>that are not affected by the GPU regulation</a:t>
+              <a:t>Not just spamming units and characteristics, for larger number of characteristics than pre-treatment time steps may cause over fitting </a:t>
             </a:r>
           </a:p>
         </p:txBody>
@@ -4667,7 +4556,7 @@
     </p:spTree>
     <p:extLst>
       <p:ext uri="{BB962C8B-B14F-4D97-AF65-F5344CB8AC3E}">
-        <p14:creationId xmlns:p14="http://schemas.microsoft.com/office/powerpoint/2010/main" val="1147422715"/>
+        <p14:creationId xmlns:p14="http://schemas.microsoft.com/office/powerpoint/2010/main" val="3318947235"/>
       </p:ext>
     </p:extLst>
   </p:cSld>
@@ -4699,104 +4588,6 @@
           <p:cNvPr id="2" name="Title 1">
             <a:extLst>
               <a:ext uri="{FF2B5EF4-FFF2-40B4-BE49-F238E27FC236}">
-                <a16:creationId xmlns:a16="http://schemas.microsoft.com/office/drawing/2014/main" id="{2C76318F-CC15-3F5E-2FAB-C6F6CCE96C6A}"/>
-              </a:ext>
-            </a:extLst>
-          </p:cNvPr>
-          <p:cNvSpPr>
-            <a:spLocks noGrp="1"/>
-          </p:cNvSpPr>
-          <p:nvPr>
-            <p:ph type="title"/>
-          </p:nvPr>
-        </p:nvSpPr>
-        <p:spPr/>
-        <p:txBody>
-          <a:bodyPr/>
-          <a:lstStyle/>
-          <a:p>
-            <a:r>
-              <a:rPr lang="en-US" dirty="0"/>
-              <a:t>Requirements for a Solution</a:t>
-            </a:r>
-          </a:p>
-        </p:txBody>
-      </p:sp>
-      <p:sp>
-        <p:nvSpPr>
-          <p:cNvPr id="3" name="Content Placeholder 2">
-            <a:extLst>
-              <a:ext uri="{FF2B5EF4-FFF2-40B4-BE49-F238E27FC236}">
-                <a16:creationId xmlns:a16="http://schemas.microsoft.com/office/drawing/2014/main" id="{4D887FC2-AA5C-3E81-50EF-C5D5567B5836}"/>
-              </a:ext>
-            </a:extLst>
-          </p:cNvPr>
-          <p:cNvSpPr>
-            <a:spLocks noGrp="1"/>
-          </p:cNvSpPr>
-          <p:nvPr>
-            <p:ph idx="1"/>
-          </p:nvPr>
-        </p:nvSpPr>
-        <p:spPr/>
-        <p:txBody>
-          <a:bodyPr/>
-          <a:lstStyle/>
-          <a:p>
-            <a:r>
-              <a:rPr lang="en-US" dirty="0"/>
-              <a:t>The treated unit and controlled units should be comparable</a:t>
-            </a:r>
-          </a:p>
-          <a:p>
-            <a:r>
-              <a:rPr lang="en-US" dirty="0"/>
-              <a:t>Such transformation needs to robust</a:t>
-            </a:r>
-          </a:p>
-          <a:p>
-            <a:r>
-              <a:rPr lang="en-US" dirty="0"/>
-              <a:t>Not just spamming units and characteristics, for larger number of characteristics than pre-treatment time steps may cause over fitting </a:t>
-            </a:r>
-          </a:p>
-        </p:txBody>
-      </p:sp>
-    </p:spTree>
-    <p:extLst>
-      <p:ext uri="{BB962C8B-B14F-4D97-AF65-F5344CB8AC3E}">
-        <p14:creationId xmlns:p14="http://schemas.microsoft.com/office/powerpoint/2010/main" val="3318947235"/>
-      </p:ext>
-    </p:extLst>
-  </p:cSld>
-  <p:clrMapOvr>
-    <a:masterClrMapping/>
-  </p:clrMapOvr>
-</p:sld>
-</file>
-
-<file path=ppt/slides/slide7.xml><?xml version="1.0" encoding="utf-8"?>
-<p:sld xmlns:a="http://schemas.openxmlformats.org/drawingml/2006/main" xmlns:r="http://schemas.openxmlformats.org/officeDocument/2006/relationships" xmlns:p="http://schemas.openxmlformats.org/presentationml/2006/main">
-  <p:cSld>
-    <p:spTree>
-      <p:nvGrpSpPr>
-        <p:cNvPr id="1" name=""/>
-        <p:cNvGrpSpPr/>
-        <p:nvPr/>
-      </p:nvGrpSpPr>
-      <p:grpSpPr>
-        <a:xfrm>
-          <a:off x="0" y="0"/>
-          <a:ext cx="0" cy="0"/>
-          <a:chOff x="0" y="0"/>
-          <a:chExt cx="0" cy="0"/>
-        </a:xfrm>
-      </p:grpSpPr>
-      <p:sp>
-        <p:nvSpPr>
-          <p:cNvPr id="2" name="Title 1">
-            <a:extLst>
-              <a:ext uri="{FF2B5EF4-FFF2-40B4-BE49-F238E27FC236}">
                 <a16:creationId xmlns:a16="http://schemas.microsoft.com/office/drawing/2014/main" id="{B9A96C2A-2491-FB74-F2F4-13E72B00FB1A}"/>
               </a:ext>
             </a:extLst>
@@ -4912,7 +4703,7 @@
 </p:sld>
 </file>
 
-<file path=ppt/slides/slide8.xml><?xml version="1.0" encoding="utf-8"?>
+<file path=ppt/slides/slide7.xml><?xml version="1.0" encoding="utf-8"?>
 <p:sld xmlns:a="http://schemas.openxmlformats.org/drawingml/2006/main" xmlns:r="http://schemas.openxmlformats.org/officeDocument/2006/relationships" xmlns:p="http://schemas.openxmlformats.org/presentationml/2006/main">
   <p:cSld>
     <p:spTree>
@@ -5831,7 +5622,7 @@
 </p:sld>
 </file>
 
-<file path=ppt/slides/slide9.xml><?xml version="1.0" encoding="utf-8"?>
+<file path=ppt/slides/slide8.xml><?xml version="1.0" encoding="utf-8"?>
 <p:sld xmlns:a="http://schemas.openxmlformats.org/drawingml/2006/main" xmlns:r="http://schemas.openxmlformats.org/officeDocument/2006/relationships" xmlns:p="http://schemas.openxmlformats.org/presentationml/2006/main">
   <p:cSld>
     <p:spTree>
@@ -6115,6 +5906,101 @@
     <p:extLst>
       <p:ext uri="{BB962C8B-B14F-4D97-AF65-F5344CB8AC3E}">
         <p14:creationId xmlns:p14="http://schemas.microsoft.com/office/powerpoint/2010/main" val="3241816068"/>
+      </p:ext>
+    </p:extLst>
+  </p:cSld>
+  <p:clrMapOvr>
+    <a:masterClrMapping/>
+  </p:clrMapOvr>
+</p:sld>
+</file>
+
+<file path=ppt/slides/slide9.xml><?xml version="1.0" encoding="utf-8"?>
+<p:sld xmlns:a="http://schemas.openxmlformats.org/drawingml/2006/main" xmlns:r="http://schemas.openxmlformats.org/officeDocument/2006/relationships" xmlns:p="http://schemas.openxmlformats.org/presentationml/2006/main">
+  <p:cSld>
+    <p:spTree>
+      <p:nvGrpSpPr>
+        <p:cNvPr id="1" name=""/>
+        <p:cNvGrpSpPr/>
+        <p:nvPr/>
+      </p:nvGrpSpPr>
+      <p:grpSpPr>
+        <a:xfrm>
+          <a:off x="0" y="0"/>
+          <a:ext cx="0" cy="0"/>
+          <a:chOff x="0" y="0"/>
+          <a:chExt cx="0" cy="0"/>
+        </a:xfrm>
+      </p:grpSpPr>
+      <p:sp>
+        <p:nvSpPr>
+          <p:cNvPr id="2" name="Title 1">
+            <a:extLst>
+              <a:ext uri="{FF2B5EF4-FFF2-40B4-BE49-F238E27FC236}">
+                <a16:creationId xmlns:a16="http://schemas.microsoft.com/office/drawing/2014/main" id="{37C39EBB-E8E4-865F-1BED-D11408B1D3F3}"/>
+              </a:ext>
+            </a:extLst>
+          </p:cNvPr>
+          <p:cNvSpPr>
+            <a:spLocks noGrp="1"/>
+          </p:cNvSpPr>
+          <p:nvPr>
+            <p:ph type="title"/>
+          </p:nvPr>
+        </p:nvSpPr>
+        <p:spPr/>
+        <p:txBody>
+          <a:bodyPr/>
+          <a:lstStyle/>
+          <a:p>
+            <a:r>
+              <a:rPr lang="en-US" altLang="zh-CN" dirty="0"/>
+              <a:t>Results: Synthetic Control Unit</a:t>
+            </a:r>
+            <a:endParaRPr lang="en-US" dirty="0"/>
+          </a:p>
+        </p:txBody>
+      </p:sp>
+      <p:pic>
+        <p:nvPicPr>
+          <p:cNvPr id="9" name="Picture 8" descr="A graph showing the growth of a company&#10;&#10;AI-generated content may be incorrect.">
+            <a:extLst>
+              <a:ext uri="{FF2B5EF4-FFF2-40B4-BE49-F238E27FC236}">
+                <a16:creationId xmlns:a16="http://schemas.microsoft.com/office/drawing/2014/main" id="{EE3FF3B9-9E74-2752-3E5C-B6238586F773}"/>
+              </a:ext>
+            </a:extLst>
+          </p:cNvPr>
+          <p:cNvPicPr>
+            <a:picLocks noChangeAspect="1"/>
+          </p:cNvPicPr>
+          <p:nvPr/>
+        </p:nvPicPr>
+        <p:blipFill>
+          <a:blip r:embed="rId2">
+            <a:extLst>
+              <a:ext uri="{28A0092B-C50C-407E-A947-70E740481C1C}">
+                <a14:useLocalDpi xmlns:a14="http://schemas.microsoft.com/office/drawing/2010/main" val="0"/>
+              </a:ext>
+            </a:extLst>
+          </a:blip>
+          <a:stretch>
+            <a:fillRect/>
+          </a:stretch>
+        </p:blipFill>
+        <p:spPr>
+          <a:xfrm>
+            <a:off x="609589" y="1371589"/>
+            <a:ext cx="10972822" cy="5486411"/>
+          </a:xfrm>
+          <a:prstGeom prst="rect">
+            <a:avLst/>
+          </a:prstGeom>
+        </p:spPr>
+      </p:pic>
+    </p:spTree>
+    <p:extLst>
+      <p:ext uri="{BB962C8B-B14F-4D97-AF65-F5344CB8AC3E}">
+        <p14:creationId xmlns:p14="http://schemas.microsoft.com/office/powerpoint/2010/main" val="1780159611"/>
       </p:ext>
     </p:extLst>
   </p:cSld>
